--- a/report/Capstone_Presentation.pptx
+++ b/report/Capstone_Presentation.pptx
@@ -280,7 +280,7 @@
           <a:p>
             <a:fld id="{1E21BD07-0E49-4CE5-8725-409A2FE20131}" type="datetimeFigureOut">
               <a:rPr lang="en-US" smtClean="0"/>
-              <a:t>2/4/2022</a:t>
+              <a:t>2/7/2022</a:t>
             </a:fld>
             <a:endParaRPr lang="en-US"/>
           </a:p>
@@ -478,7 +478,7 @@
           <a:p>
             <a:fld id="{1E21BD07-0E49-4CE5-8725-409A2FE20131}" type="datetimeFigureOut">
               <a:rPr lang="en-US" smtClean="0"/>
-              <a:t>2/4/2022</a:t>
+              <a:t>2/7/2022</a:t>
             </a:fld>
             <a:endParaRPr lang="en-US"/>
           </a:p>
@@ -686,7 +686,7 @@
           <a:p>
             <a:fld id="{1E21BD07-0E49-4CE5-8725-409A2FE20131}" type="datetimeFigureOut">
               <a:rPr lang="en-US" smtClean="0"/>
-              <a:t>2/4/2022</a:t>
+              <a:t>2/7/2022</a:t>
             </a:fld>
             <a:endParaRPr lang="en-US"/>
           </a:p>
@@ -884,7 +884,7 @@
           <a:p>
             <a:fld id="{1E21BD07-0E49-4CE5-8725-409A2FE20131}" type="datetimeFigureOut">
               <a:rPr lang="en-US" smtClean="0"/>
-              <a:t>2/4/2022</a:t>
+              <a:t>2/7/2022</a:t>
             </a:fld>
             <a:endParaRPr lang="en-US"/>
           </a:p>
@@ -1159,7 +1159,7 @@
           <a:p>
             <a:fld id="{1E21BD07-0E49-4CE5-8725-409A2FE20131}" type="datetimeFigureOut">
               <a:rPr lang="en-US" smtClean="0"/>
-              <a:t>2/4/2022</a:t>
+              <a:t>2/7/2022</a:t>
             </a:fld>
             <a:endParaRPr lang="en-US"/>
           </a:p>
@@ -1424,7 +1424,7 @@
           <a:p>
             <a:fld id="{1E21BD07-0E49-4CE5-8725-409A2FE20131}" type="datetimeFigureOut">
               <a:rPr lang="en-US" smtClean="0"/>
-              <a:t>2/4/2022</a:t>
+              <a:t>2/7/2022</a:t>
             </a:fld>
             <a:endParaRPr lang="en-US"/>
           </a:p>
@@ -1836,7 +1836,7 @@
           <a:p>
             <a:fld id="{1E21BD07-0E49-4CE5-8725-409A2FE20131}" type="datetimeFigureOut">
               <a:rPr lang="en-US" smtClean="0"/>
-              <a:t>2/4/2022</a:t>
+              <a:t>2/7/2022</a:t>
             </a:fld>
             <a:endParaRPr lang="en-US"/>
           </a:p>
@@ -1977,7 +1977,7 @@
           <a:p>
             <a:fld id="{1E21BD07-0E49-4CE5-8725-409A2FE20131}" type="datetimeFigureOut">
               <a:rPr lang="en-US" smtClean="0"/>
-              <a:t>2/4/2022</a:t>
+              <a:t>2/7/2022</a:t>
             </a:fld>
             <a:endParaRPr lang="en-US"/>
           </a:p>
@@ -2090,7 +2090,7 @@
           <a:p>
             <a:fld id="{1E21BD07-0E49-4CE5-8725-409A2FE20131}" type="datetimeFigureOut">
               <a:rPr lang="en-US" smtClean="0"/>
-              <a:t>2/4/2022</a:t>
+              <a:t>2/7/2022</a:t>
             </a:fld>
             <a:endParaRPr lang="en-US"/>
           </a:p>
@@ -2401,7 +2401,7 @@
           <a:p>
             <a:fld id="{1E21BD07-0E49-4CE5-8725-409A2FE20131}" type="datetimeFigureOut">
               <a:rPr lang="en-US" smtClean="0"/>
-              <a:t>2/4/2022</a:t>
+              <a:t>2/7/2022</a:t>
             </a:fld>
             <a:endParaRPr lang="en-US"/>
           </a:p>
@@ -2689,7 +2689,7 @@
           <a:p>
             <a:fld id="{1E21BD07-0E49-4CE5-8725-409A2FE20131}" type="datetimeFigureOut">
               <a:rPr lang="en-US" smtClean="0"/>
-              <a:t>2/4/2022</a:t>
+              <a:t>2/7/2022</a:t>
             </a:fld>
             <a:endParaRPr lang="en-US"/>
           </a:p>
@@ -2930,7 +2930,7 @@
           <a:p>
             <a:fld id="{1E21BD07-0E49-4CE5-8725-409A2FE20131}" type="datetimeFigureOut">
               <a:rPr lang="en-US" smtClean="0"/>
-              <a:t>2/4/2022</a:t>
+              <a:t>2/7/2022</a:t>
             </a:fld>
             <a:endParaRPr lang="en-US"/>
           </a:p>
@@ -5771,7 +5771,7 @@
         </p:spPr>
         <p:txBody>
           <a:bodyPr anchor="t">
-            <a:normAutofit/>
+            <a:normAutofit lnSpcReduction="10000"/>
           </a:bodyPr>
           <a:lstStyle/>
           <a:p>
@@ -5783,11 +5783,26 @@
           <a:p>
             <a:r>
               <a:rPr lang="en-US" dirty="0"/>
-              <a:t>Some ensemble methods may yield better results</a:t>
-            </a:r>
-          </a:p>
-          <a:p>
-            <a:endParaRPr lang="en-US" dirty="0"/>
+              <a:t>This model identifies if a single piece may belong to a certain theme but ideally the model should identify several pieces to determine what theme they may belong to</a:t>
+            </a:r>
+          </a:p>
+          <a:p>
+            <a:r>
+              <a:rPr lang="en-US" dirty="0" err="1"/>
+              <a:t>CountVectorizer</a:t>
+            </a:r>
+            <a:r>
+              <a:rPr lang="en-US" dirty="0"/>
+              <a:t> could be used to record a vector of </a:t>
+            </a:r>
+            <a:r>
+              <a:rPr lang="en-US"/>
+              <a:t>part identifiers, </a:t>
+            </a:r>
+            <a:r>
+              <a:rPr lang="en-US" dirty="0"/>
+              <a:t>and then this vector would be ‘fed’ into the model to predict the theme. </a:t>
+            </a:r>
           </a:p>
         </p:txBody>
       </p:sp>
